--- a/demo/powerpoint/demo_maat_workflow.pptx
+++ b/demo/powerpoint/demo_maat_workflow.pptx
@@ -4742,7 +4742,7 @@
           </p:blipFill>
           <p:spPr>
             <a:xfrm>
-              <a:off x="2742518" y="327615"/>
+              <a:off x="4871722" y="691894"/>
               <a:ext cx="279880" cy="276425"/>
             </a:xfrm>
             <a:prstGeom prst="rect">
@@ -4831,11 +4831,7 @@
             <a:pPr algn="ctr"/>
             <a:r>
               <a:rPr lang="fr-FR" sz="1600" dirty="0" smtClean="0"/>
-              <a:t>and</a:t>
-            </a:r>
-            <a:r>
-              <a:rPr lang="fr-FR" sz="1600" dirty="0" smtClean="0"/>
-              <a:t> Time </a:t>
+              <a:t>and Time </a:t>
             </a:r>
             <a:r>
               <a:rPr lang="fr-FR" sz="1600" dirty="0" err="1" smtClean="0"/>

--- a/demo/powerpoint/demo_maat_workflow.pptx
+++ b/demo/powerpoint/demo_maat_workflow.pptx
@@ -7,6 +7,7 @@
   <p:sldIdLst>
     <p:sldId id="257" r:id="rId2"/>
     <p:sldId id="258" r:id="rId3"/>
+    <p:sldId id="259" r:id="rId4"/>
   </p:sldIdLst>
   <p:sldSz cx="12192000" cy="6858000"/>
   <p:notesSz cx="6858000" cy="9144000"/>
@@ -244,7 +245,7 @@
           <a:p>
             <a:fld id="{A0946C66-99AB-4BAB-B3CF-7EF1A62EDD51}" type="datetimeFigureOut">
               <a:rPr lang="fr-FR" smtClean="0"/>
-              <a:t>26/10/2022</a:t>
+              <a:t>05/12/2022</a:t>
             </a:fld>
             <a:endParaRPr lang="fr-FR"/>
           </a:p>
@@ -414,7 +415,7 @@
           <a:p>
             <a:fld id="{A0946C66-99AB-4BAB-B3CF-7EF1A62EDD51}" type="datetimeFigureOut">
               <a:rPr lang="fr-FR" smtClean="0"/>
-              <a:t>26/10/2022</a:t>
+              <a:t>05/12/2022</a:t>
             </a:fld>
             <a:endParaRPr lang="fr-FR"/>
           </a:p>
@@ -594,7 +595,7 @@
           <a:p>
             <a:fld id="{A0946C66-99AB-4BAB-B3CF-7EF1A62EDD51}" type="datetimeFigureOut">
               <a:rPr lang="fr-FR" smtClean="0"/>
-              <a:t>26/10/2022</a:t>
+              <a:t>05/12/2022</a:t>
             </a:fld>
             <a:endParaRPr lang="fr-FR"/>
           </a:p>
@@ -764,7 +765,7 @@
           <a:p>
             <a:fld id="{A0946C66-99AB-4BAB-B3CF-7EF1A62EDD51}" type="datetimeFigureOut">
               <a:rPr lang="fr-FR" smtClean="0"/>
-              <a:t>26/10/2022</a:t>
+              <a:t>05/12/2022</a:t>
             </a:fld>
             <a:endParaRPr lang="fr-FR"/>
           </a:p>
@@ -1010,7 +1011,7 @@
           <a:p>
             <a:fld id="{A0946C66-99AB-4BAB-B3CF-7EF1A62EDD51}" type="datetimeFigureOut">
               <a:rPr lang="fr-FR" smtClean="0"/>
-              <a:t>26/10/2022</a:t>
+              <a:t>05/12/2022</a:t>
             </a:fld>
             <a:endParaRPr lang="fr-FR"/>
           </a:p>
@@ -1242,7 +1243,7 @@
           <a:p>
             <a:fld id="{A0946C66-99AB-4BAB-B3CF-7EF1A62EDD51}" type="datetimeFigureOut">
               <a:rPr lang="fr-FR" smtClean="0"/>
-              <a:t>26/10/2022</a:t>
+              <a:t>05/12/2022</a:t>
             </a:fld>
             <a:endParaRPr lang="fr-FR"/>
           </a:p>
@@ -1609,7 +1610,7 @@
           <a:p>
             <a:fld id="{A0946C66-99AB-4BAB-B3CF-7EF1A62EDD51}" type="datetimeFigureOut">
               <a:rPr lang="fr-FR" smtClean="0"/>
-              <a:t>26/10/2022</a:t>
+              <a:t>05/12/2022</a:t>
             </a:fld>
             <a:endParaRPr lang="fr-FR"/>
           </a:p>
@@ -1727,7 +1728,7 @@
           <a:p>
             <a:fld id="{A0946C66-99AB-4BAB-B3CF-7EF1A62EDD51}" type="datetimeFigureOut">
               <a:rPr lang="fr-FR" smtClean="0"/>
-              <a:t>26/10/2022</a:t>
+              <a:t>05/12/2022</a:t>
             </a:fld>
             <a:endParaRPr lang="fr-FR"/>
           </a:p>
@@ -1822,7 +1823,7 @@
           <a:p>
             <a:fld id="{A0946C66-99AB-4BAB-B3CF-7EF1A62EDD51}" type="datetimeFigureOut">
               <a:rPr lang="fr-FR" smtClean="0"/>
-              <a:t>26/10/2022</a:t>
+              <a:t>05/12/2022</a:t>
             </a:fld>
             <a:endParaRPr lang="fr-FR"/>
           </a:p>
@@ -2099,7 +2100,7 @@
           <a:p>
             <a:fld id="{A0946C66-99AB-4BAB-B3CF-7EF1A62EDD51}" type="datetimeFigureOut">
               <a:rPr lang="fr-FR" smtClean="0"/>
-              <a:t>26/10/2022</a:t>
+              <a:t>05/12/2022</a:t>
             </a:fld>
             <a:endParaRPr lang="fr-FR"/>
           </a:p>
@@ -2352,7 +2353,7 @@
           <a:p>
             <a:fld id="{A0946C66-99AB-4BAB-B3CF-7EF1A62EDD51}" type="datetimeFigureOut">
               <a:rPr lang="fr-FR" smtClean="0"/>
-              <a:t>26/10/2022</a:t>
+              <a:t>05/12/2022</a:t>
             </a:fld>
             <a:endParaRPr lang="fr-FR"/>
           </a:p>
@@ -2565,7 +2566,7 @@
           <a:p>
             <a:fld id="{A0946C66-99AB-4BAB-B3CF-7EF1A62EDD51}" type="datetimeFigureOut">
               <a:rPr lang="fr-FR" smtClean="0"/>
-              <a:t>26/10/2022</a:t>
+              <a:t>05/12/2022</a:t>
             </a:fld>
             <a:endParaRPr lang="fr-FR"/>
           </a:p>
@@ -4559,198 +4560,6 @@
           </a:fontRef>
         </p:style>
       </p:cxnSp>
-      <p:grpSp>
-        <p:nvGrpSpPr>
-          <p:cNvPr id="38" name="Groupe 37"/>
-          <p:cNvGrpSpPr/>
-          <p:nvPr/>
-        </p:nvGrpSpPr>
-        <p:grpSpPr>
-          <a:xfrm>
-            <a:off x="8277686" y="101272"/>
-            <a:ext cx="3698004" cy="1281409"/>
-            <a:chOff x="1571543" y="327615"/>
-            <a:chExt cx="3698004" cy="1281409"/>
-          </a:xfrm>
-        </p:grpSpPr>
-        <p:pic>
-          <p:nvPicPr>
-            <p:cNvPr id="94" name="Image 93"/>
-            <p:cNvPicPr>
-              <a:picLocks noChangeAspect="1"/>
-            </p:cNvPicPr>
-            <p:nvPr/>
-          </p:nvPicPr>
-          <p:blipFill>
-            <a:blip r:embed="rId2">
-              <a:extLst>
-                <a:ext uri="{28A0092B-C50C-407E-A947-70E740481C1C}">
-                  <a14:useLocalDpi xmlns:a14="http://schemas.microsoft.com/office/drawing/2010/main" val="0"/>
-                </a:ext>
-              </a:extLst>
-            </a:blip>
-            <a:stretch>
-              <a:fillRect/>
-            </a:stretch>
-          </p:blipFill>
-          <p:spPr>
-            <a:xfrm>
-              <a:off x="1571543" y="327615"/>
-              <a:ext cx="1815330" cy="1281409"/>
-            </a:xfrm>
-            <a:prstGeom prst="rect">
-              <a:avLst/>
-            </a:prstGeom>
-          </p:spPr>
-        </p:pic>
-        <p:sp>
-          <p:nvSpPr>
-            <p:cNvPr id="95" name="Rectangle 94"/>
-            <p:cNvSpPr/>
-            <p:nvPr/>
-          </p:nvSpPr>
-          <p:spPr>
-            <a:xfrm>
-              <a:off x="3336272" y="327615"/>
-              <a:ext cx="1933275" cy="830997"/>
-            </a:xfrm>
-            <a:prstGeom prst="rect">
-              <a:avLst/>
-            </a:prstGeom>
-          </p:spPr>
-          <p:txBody>
-            <a:bodyPr wrap="square">
-              <a:spAutoFit/>
-            </a:bodyPr>
-            <a:lstStyle/>
-            <a:p>
-              <a:r>
-                <a:rPr lang="fr-FR" sz="1600" dirty="0" err="1" smtClean="0">
-                  <a:solidFill>
-                    <a:schemeClr val="dk1"/>
-                  </a:solidFill>
-                </a:rPr>
-                <a:t>Timed</a:t>
-              </a:r>
-              <a:r>
-                <a:rPr lang="fr-FR" sz="1600" dirty="0" smtClean="0">
-                  <a:solidFill>
-                    <a:schemeClr val="dk1"/>
-                  </a:solidFill>
-                </a:rPr>
-                <a:t> </a:t>
-              </a:r>
-              <a:r>
-                <a:rPr lang="fr-FR" sz="1600" dirty="0" err="1" smtClean="0">
-                  <a:solidFill>
-                    <a:schemeClr val="dk1"/>
-                  </a:solidFill>
-                </a:rPr>
-                <a:t>Requirements</a:t>
-              </a:r>
-              <a:r>
-                <a:rPr lang="fr-FR" sz="1600" dirty="0" smtClean="0">
-                  <a:solidFill>
-                    <a:schemeClr val="dk1"/>
-                  </a:solidFill>
-                </a:rPr>
-                <a:t> </a:t>
-              </a:r>
-              <a:r>
-                <a:rPr lang="fr-FR" sz="1600" dirty="0" err="1" smtClean="0">
-                  <a:solidFill>
-                    <a:schemeClr val="dk1"/>
-                  </a:solidFill>
-                </a:rPr>
-                <a:t>Analysis</a:t>
-              </a:r>
-              <a:r>
-                <a:rPr lang="fr-FR" sz="1600" dirty="0" smtClean="0">
-                  <a:solidFill>
-                    <a:schemeClr val="dk1"/>
-                  </a:solidFill>
-                </a:rPr>
-                <a:t> </a:t>
-              </a:r>
-              <a:r>
-                <a:rPr lang="fr-FR" sz="1600" dirty="0" err="1" smtClean="0">
-                  <a:solidFill>
-                    <a:schemeClr val="dk1"/>
-                  </a:solidFill>
-                </a:rPr>
-                <a:t>Using</a:t>
-              </a:r>
-              <a:r>
-                <a:rPr lang="fr-FR" sz="1600" dirty="0" smtClean="0">
-                  <a:solidFill>
-                    <a:schemeClr val="dk1"/>
-                  </a:solidFill>
-                </a:rPr>
-                <a:t> </a:t>
-              </a:r>
-              <a:r>
-                <a:rPr lang="fr-FR" sz="1600" dirty="0" err="1" smtClean="0">
-                  <a:solidFill>
-                    <a:schemeClr val="dk1"/>
-                  </a:solidFill>
-                </a:rPr>
-                <a:t>Process</a:t>
-              </a:r>
-              <a:r>
-                <a:rPr lang="fr-FR" sz="1600" dirty="0" smtClean="0">
-                  <a:solidFill>
-                    <a:schemeClr val="dk1"/>
-                  </a:solidFill>
-                </a:rPr>
-                <a:t> </a:t>
-              </a:r>
-              <a:r>
-                <a:rPr lang="fr-FR" sz="1600" dirty="0" err="1" smtClean="0">
-                  <a:solidFill>
-                    <a:schemeClr val="dk1"/>
-                  </a:solidFill>
-                </a:rPr>
-                <a:t>Algbera</a:t>
-              </a:r>
-              <a:endParaRPr lang="fr-FR" sz="1600" dirty="0">
-                <a:solidFill>
-                  <a:schemeClr val="dk1"/>
-                </a:solidFill>
-              </a:endParaRPr>
-            </a:p>
-          </p:txBody>
-        </p:sp>
-        <p:pic>
-          <p:nvPicPr>
-            <p:cNvPr id="96" name="Image 95"/>
-            <p:cNvPicPr>
-              <a:picLocks noChangeAspect="1"/>
-            </p:cNvPicPr>
-            <p:nvPr/>
-          </p:nvPicPr>
-          <p:blipFill>
-            <a:blip r:embed="rId3" cstate="print">
-              <a:extLst>
-                <a:ext uri="{28A0092B-C50C-407E-A947-70E740481C1C}">
-                  <a14:useLocalDpi xmlns:a14="http://schemas.microsoft.com/office/drawing/2010/main" val="0"/>
-                </a:ext>
-              </a:extLst>
-            </a:blip>
-            <a:stretch>
-              <a:fillRect/>
-            </a:stretch>
-          </p:blipFill>
-          <p:spPr>
-            <a:xfrm>
-              <a:off x="4871722" y="691894"/>
-              <a:ext cx="279880" cy="276425"/>
-            </a:xfrm>
-            <a:prstGeom prst="rect">
-              <a:avLst/>
-            </a:prstGeom>
-          </p:spPr>
-        </p:pic>
-      </p:grpSp>
       <p:sp>
         <p:nvSpPr>
           <p:cNvPr id="18" name="Rectangle à coins arrondis 17"/>
@@ -5055,10 +4864,1839 @@
           </a:fontRef>
         </p:style>
       </p:cxnSp>
+      <p:sp>
+        <p:nvSpPr>
+          <p:cNvPr id="2" name="ZoneTexte 1"/>
+          <p:cNvSpPr txBox="1"/>
+          <p:nvPr/>
+        </p:nvSpPr>
+        <p:spPr>
+          <a:xfrm>
+            <a:off x="82335" y="1840820"/>
+            <a:ext cx="640949" cy="369332"/>
+          </a:xfrm>
+          <a:prstGeom prst="rect">
+            <a:avLst/>
+          </a:prstGeom>
+          <a:noFill/>
+        </p:spPr>
+        <p:txBody>
+          <a:bodyPr wrap="square" rtlCol="0">
+            <a:spAutoFit/>
+          </a:bodyPr>
+          <a:lstStyle/>
+          <a:p>
+            <a:r>
+              <a:rPr lang="fr-FR" dirty="0" smtClean="0"/>
+              <a:t>(1)</a:t>
+            </a:r>
+            <a:endParaRPr lang="fr-FR" dirty="0"/>
+          </a:p>
+        </p:txBody>
+      </p:sp>
+      <p:sp>
+        <p:nvSpPr>
+          <p:cNvPr id="25" name="ZoneTexte 24"/>
+          <p:cNvSpPr txBox="1"/>
+          <p:nvPr/>
+        </p:nvSpPr>
+        <p:spPr>
+          <a:xfrm>
+            <a:off x="1421177" y="4814046"/>
+            <a:ext cx="640949" cy="369332"/>
+          </a:xfrm>
+          <a:prstGeom prst="rect">
+            <a:avLst/>
+          </a:prstGeom>
+          <a:noFill/>
+        </p:spPr>
+        <p:txBody>
+          <a:bodyPr wrap="square" rtlCol="0">
+            <a:spAutoFit/>
+          </a:bodyPr>
+          <a:lstStyle/>
+          <a:p>
+            <a:r>
+              <a:rPr lang="fr-FR" dirty="0" smtClean="0"/>
+              <a:t>(2)</a:t>
+            </a:r>
+            <a:endParaRPr lang="fr-FR" dirty="0"/>
+          </a:p>
+        </p:txBody>
+      </p:sp>
+      <p:sp>
+        <p:nvSpPr>
+          <p:cNvPr id="28" name="ZoneTexte 27"/>
+          <p:cNvSpPr txBox="1"/>
+          <p:nvPr/>
+        </p:nvSpPr>
+        <p:spPr>
+          <a:xfrm>
+            <a:off x="5224068" y="4819836"/>
+            <a:ext cx="640949" cy="369332"/>
+          </a:xfrm>
+          <a:prstGeom prst="rect">
+            <a:avLst/>
+          </a:prstGeom>
+          <a:noFill/>
+        </p:spPr>
+        <p:txBody>
+          <a:bodyPr wrap="square" rtlCol="0">
+            <a:spAutoFit/>
+          </a:bodyPr>
+          <a:lstStyle/>
+          <a:p>
+            <a:r>
+              <a:rPr lang="fr-FR" dirty="0" smtClean="0"/>
+              <a:t>(3)</a:t>
+            </a:r>
+            <a:endParaRPr lang="fr-FR" dirty="0"/>
+          </a:p>
+        </p:txBody>
+      </p:sp>
+      <p:sp>
+        <p:nvSpPr>
+          <p:cNvPr id="33" name="ZoneTexte 32"/>
+          <p:cNvSpPr txBox="1"/>
+          <p:nvPr/>
+        </p:nvSpPr>
+        <p:spPr>
+          <a:xfrm>
+            <a:off x="9546124" y="4807136"/>
+            <a:ext cx="640949" cy="369332"/>
+          </a:xfrm>
+          <a:prstGeom prst="rect">
+            <a:avLst/>
+          </a:prstGeom>
+          <a:noFill/>
+        </p:spPr>
+        <p:txBody>
+          <a:bodyPr wrap="square" rtlCol="0">
+            <a:spAutoFit/>
+          </a:bodyPr>
+          <a:lstStyle/>
+          <a:p>
+            <a:r>
+              <a:rPr lang="fr-FR" dirty="0" smtClean="0"/>
+              <a:t>(4)</a:t>
+            </a:r>
+            <a:endParaRPr lang="fr-FR" dirty="0"/>
+          </a:p>
+        </p:txBody>
+      </p:sp>
     </p:spTree>
     <p:extLst>
       <p:ext uri="{BB962C8B-B14F-4D97-AF65-F5344CB8AC3E}">
         <p14:creationId xmlns:p14="http://schemas.microsoft.com/office/powerpoint/2010/main" val="2105510307"/>
+      </p:ext>
+    </p:extLst>
+  </p:cSld>
+  <p:clrMapOvr>
+    <a:masterClrMapping/>
+  </p:clrMapOvr>
+  <p:timing>
+    <p:tnLst>
+      <p:par>
+        <p:cTn id="1" dur="indefinite" restart="never" nodeType="tmRoot"/>
+      </p:par>
+    </p:tnLst>
+  </p:timing>
+</p:sld>
+</file>
+
+<file path=ppt/slides/slide3.xml><?xml version="1.0" encoding="utf-8"?>
+<p:sld xmlns:a="http://schemas.openxmlformats.org/drawingml/2006/main" xmlns:r="http://schemas.openxmlformats.org/officeDocument/2006/relationships" xmlns:p="http://schemas.openxmlformats.org/presentationml/2006/main">
+  <p:cSld>
+    <p:spTree>
+      <p:nvGrpSpPr>
+        <p:cNvPr id="1" name=""/>
+        <p:cNvGrpSpPr/>
+        <p:nvPr/>
+      </p:nvGrpSpPr>
+      <p:grpSpPr>
+        <a:xfrm>
+          <a:off x="0" y="0"/>
+          <a:ext cx="0" cy="0"/>
+          <a:chOff x="0" y="0"/>
+          <a:chExt cx="0" cy="0"/>
+        </a:xfrm>
+      </p:grpSpPr>
+      <p:sp>
+        <p:nvSpPr>
+          <p:cNvPr id="6" name="Rectangle avec coins rognés en diagonale 5"/>
+          <p:cNvSpPr/>
+          <p:nvPr/>
+        </p:nvSpPr>
+        <p:spPr>
+          <a:xfrm>
+            <a:off x="4450431" y="3815936"/>
+            <a:ext cx="1428518" cy="663440"/>
+          </a:xfrm>
+          <a:prstGeom prst="snip2DiagRect">
+            <a:avLst/>
+          </a:prstGeom>
+        </p:spPr>
+        <p:style>
+          <a:lnRef idx="2">
+            <a:schemeClr val="accent6"/>
+          </a:lnRef>
+          <a:fillRef idx="1">
+            <a:schemeClr val="lt1"/>
+          </a:fillRef>
+          <a:effectRef idx="0">
+            <a:schemeClr val="accent6"/>
+          </a:effectRef>
+          <a:fontRef idx="minor">
+            <a:schemeClr val="dk1"/>
+          </a:fontRef>
+        </p:style>
+        <p:txBody>
+          <a:bodyPr rtlCol="0" anchor="ctr"/>
+          <a:lstStyle/>
+          <a:p>
+            <a:pPr algn="ctr"/>
+            <a:r>
+              <a:rPr lang="fr-FR" sz="1400" dirty="0" err="1">
+                <a:latin typeface="Arial" panose="020B0604020202020204" pitchFamily="34" charset="0"/>
+                <a:cs typeface="Arial" panose="020B0604020202020204" pitchFamily="34" charset="0"/>
+              </a:rPr>
+              <a:t>s</a:t>
+            </a:r>
+            <a:r>
+              <a:rPr lang="fr-FR" sz="1400" dirty="0" err="1" smtClean="0">
+                <a:latin typeface="Arial" panose="020B0604020202020204" pitchFamily="34" charset="0"/>
+                <a:cs typeface="Arial" panose="020B0604020202020204" pitchFamily="34" charset="0"/>
+              </a:rPr>
+              <a:t>tructured</a:t>
+            </a:r>
+            <a:r>
+              <a:rPr lang="fr-FR" sz="1400" dirty="0" smtClean="0">
+                <a:latin typeface="Arial" panose="020B0604020202020204" pitchFamily="34" charset="0"/>
+                <a:cs typeface="Arial" panose="020B0604020202020204" pitchFamily="34" charset="0"/>
+              </a:rPr>
+              <a:t> </a:t>
+            </a:r>
+            <a:r>
+              <a:rPr lang="fr-FR" sz="1400" dirty="0" err="1" smtClean="0">
+                <a:latin typeface="Arial" panose="020B0604020202020204" pitchFamily="34" charset="0"/>
+                <a:cs typeface="Arial" panose="020B0604020202020204" pitchFamily="34" charset="0"/>
+              </a:rPr>
+              <a:t>requirements</a:t>
+            </a:r>
+            <a:endParaRPr lang="fr-FR" sz="1400" dirty="0">
+              <a:latin typeface="Arial" panose="020B0604020202020204" pitchFamily="34" charset="0"/>
+              <a:cs typeface="Arial" panose="020B0604020202020204" pitchFamily="34" charset="0"/>
+            </a:endParaRPr>
+          </a:p>
+        </p:txBody>
+      </p:sp>
+      <p:sp>
+        <p:nvSpPr>
+          <p:cNvPr id="7" name="Rectangle avec coins rognés en diagonale 6"/>
+          <p:cNvSpPr/>
+          <p:nvPr/>
+        </p:nvSpPr>
+        <p:spPr>
+          <a:xfrm>
+            <a:off x="10125876" y="5795371"/>
+            <a:ext cx="1175088" cy="661674"/>
+          </a:xfrm>
+          <a:prstGeom prst="snip2DiagRect">
+            <a:avLst/>
+          </a:prstGeom>
+          <a:ln w="9525">
+            <a:headEnd type="none" w="med" len="med"/>
+            <a:tailEnd type="arrow" w="med" len="med"/>
+          </a:ln>
+          <a:effectLst>
+            <a:outerShdw blurRad="50800" dist="38100" dir="5400000" algn="t" rotWithShape="0">
+              <a:prstClr val="black">
+                <a:alpha val="40000"/>
+              </a:prstClr>
+            </a:outerShdw>
+          </a:effectLst>
+        </p:spPr>
+        <p:style>
+          <a:lnRef idx="2">
+            <a:schemeClr val="accent6"/>
+          </a:lnRef>
+          <a:fillRef idx="1">
+            <a:schemeClr val="lt1"/>
+          </a:fillRef>
+          <a:effectRef idx="0">
+            <a:schemeClr val="accent6"/>
+          </a:effectRef>
+          <a:fontRef idx="minor">
+            <a:schemeClr val="dk1"/>
+          </a:fontRef>
+        </p:style>
+        <p:txBody>
+          <a:bodyPr rtlCol="0" anchor="ctr"/>
+          <a:lstStyle/>
+          <a:p>
+            <a:pPr algn="ctr"/>
+            <a:r>
+              <a:rPr lang="fr-FR" sz="1400" dirty="0" err="1">
+                <a:latin typeface="Arial" panose="020B0604020202020204" pitchFamily="34" charset="0"/>
+                <a:cs typeface="Arial" panose="020B0604020202020204" pitchFamily="34" charset="0"/>
+              </a:rPr>
+              <a:t>a</a:t>
+            </a:r>
+            <a:r>
+              <a:rPr lang="fr-FR" sz="1400" dirty="0" err="1" smtClean="0">
+                <a:solidFill>
+                  <a:schemeClr val="dk1"/>
+                </a:solidFill>
+                <a:latin typeface="Arial" panose="020B0604020202020204" pitchFamily="34" charset="0"/>
+                <a:cs typeface="Arial" panose="020B0604020202020204" pitchFamily="34" charset="0"/>
+              </a:rPr>
+              <a:t>nalysis</a:t>
+            </a:r>
+            <a:r>
+              <a:rPr lang="fr-FR" sz="1400" dirty="0" smtClean="0">
+                <a:solidFill>
+                  <a:schemeClr val="dk1"/>
+                </a:solidFill>
+                <a:latin typeface="Arial" panose="020B0604020202020204" pitchFamily="34" charset="0"/>
+                <a:cs typeface="Arial" panose="020B0604020202020204" pitchFamily="34" charset="0"/>
+              </a:rPr>
+              <a:t> feedback</a:t>
+            </a:r>
+            <a:endParaRPr lang="fr-FR" sz="1400" dirty="0">
+              <a:solidFill>
+                <a:schemeClr val="dk1"/>
+              </a:solidFill>
+              <a:latin typeface="Arial" panose="020B0604020202020204" pitchFamily="34" charset="0"/>
+              <a:cs typeface="Arial" panose="020B0604020202020204" pitchFamily="34" charset="0"/>
+            </a:endParaRPr>
+          </a:p>
+        </p:txBody>
+      </p:sp>
+      <p:sp>
+        <p:nvSpPr>
+          <p:cNvPr id="9" name="Rectangle à coins arrondis 8"/>
+          <p:cNvSpPr/>
+          <p:nvPr/>
+        </p:nvSpPr>
+        <p:spPr>
+          <a:xfrm>
+            <a:off x="2253270" y="2756307"/>
+            <a:ext cx="1966130" cy="810390"/>
+          </a:xfrm>
+          <a:prstGeom prst="roundRect">
+            <a:avLst/>
+          </a:prstGeom>
+          <a:solidFill>
+            <a:schemeClr val="accent6">
+              <a:lumMod val="20000"/>
+              <a:lumOff val="80000"/>
+            </a:schemeClr>
+          </a:solidFill>
+          <a:ln>
+            <a:solidFill>
+              <a:srgbClr val="92D050"/>
+            </a:solidFill>
+          </a:ln>
+        </p:spPr>
+        <p:style>
+          <a:lnRef idx="2">
+            <a:schemeClr val="accent6"/>
+          </a:lnRef>
+          <a:fillRef idx="1">
+            <a:schemeClr val="lt1"/>
+          </a:fillRef>
+          <a:effectRef idx="0">
+            <a:schemeClr val="accent6"/>
+          </a:effectRef>
+          <a:fontRef idx="minor">
+            <a:schemeClr val="dk1"/>
+          </a:fontRef>
+        </p:style>
+        <p:txBody>
+          <a:bodyPr rtlCol="0" anchor="ctr"/>
+          <a:lstStyle/>
+          <a:p>
+            <a:pPr algn="ctr"/>
+            <a:r>
+              <a:rPr lang="fr-FR" sz="1400" dirty="0" err="1">
+                <a:latin typeface="Arial" panose="020B0604020202020204" pitchFamily="34" charset="0"/>
+                <a:cs typeface="Arial" panose="020B0604020202020204" pitchFamily="34" charset="0"/>
+              </a:rPr>
+              <a:t>Rephrase</a:t>
+            </a:r>
+            <a:r>
+              <a:rPr lang="fr-FR" sz="1400" dirty="0">
+                <a:latin typeface="Arial" panose="020B0604020202020204" pitchFamily="34" charset="0"/>
+                <a:cs typeface="Arial" panose="020B0604020202020204" pitchFamily="34" charset="0"/>
+              </a:rPr>
+              <a:t> </a:t>
+            </a:r>
+            <a:r>
+              <a:rPr lang="fr-FR" sz="1400" dirty="0" err="1">
+                <a:latin typeface="Arial" panose="020B0604020202020204" pitchFamily="34" charset="0"/>
+                <a:cs typeface="Arial" panose="020B0604020202020204" pitchFamily="34" charset="0"/>
+              </a:rPr>
+              <a:t>T</a:t>
+            </a:r>
+            <a:r>
+              <a:rPr lang="fr-FR" sz="1400" dirty="0" err="1" smtClean="0">
+                <a:latin typeface="Arial" panose="020B0604020202020204" pitchFamily="34" charset="0"/>
+                <a:cs typeface="Arial" panose="020B0604020202020204" pitchFamily="34" charset="0"/>
+              </a:rPr>
+              <a:t>imed</a:t>
+            </a:r>
+            <a:r>
+              <a:rPr lang="fr-FR" sz="1400" dirty="0" smtClean="0">
+                <a:latin typeface="Arial" panose="020B0604020202020204" pitchFamily="34" charset="0"/>
+                <a:cs typeface="Arial" panose="020B0604020202020204" pitchFamily="34" charset="0"/>
+              </a:rPr>
+              <a:t> </a:t>
+            </a:r>
+            <a:r>
+              <a:rPr lang="fr-FR" sz="1400" dirty="0" err="1" smtClean="0">
+                <a:latin typeface="Arial" panose="020B0604020202020204" pitchFamily="34" charset="0"/>
+                <a:cs typeface="Arial" panose="020B0604020202020204" pitchFamily="34" charset="0"/>
+              </a:rPr>
+              <a:t>Requirements</a:t>
+            </a:r>
+            <a:r>
+              <a:rPr lang="fr-FR" sz="1400" dirty="0" smtClean="0">
+                <a:latin typeface="Arial" panose="020B0604020202020204" pitchFamily="34" charset="0"/>
+                <a:cs typeface="Arial" panose="020B0604020202020204" pitchFamily="34" charset="0"/>
+              </a:rPr>
+              <a:t> </a:t>
+            </a:r>
+            <a:endParaRPr lang="fr-FR" sz="1400" dirty="0">
+              <a:latin typeface="Arial" panose="020B0604020202020204" pitchFamily="34" charset="0"/>
+              <a:cs typeface="Arial" panose="020B0604020202020204" pitchFamily="34" charset="0"/>
+            </a:endParaRPr>
+          </a:p>
+        </p:txBody>
+      </p:sp>
+      <p:sp>
+        <p:nvSpPr>
+          <p:cNvPr id="10" name="Rectangle à coins arrondis 9"/>
+          <p:cNvSpPr/>
+          <p:nvPr/>
+        </p:nvSpPr>
+        <p:spPr>
+          <a:xfrm>
+            <a:off x="5943283" y="2756307"/>
+            <a:ext cx="2176314" cy="810390"/>
+          </a:xfrm>
+          <a:prstGeom prst="roundRect">
+            <a:avLst/>
+          </a:prstGeom>
+          <a:solidFill>
+            <a:schemeClr val="accent6">
+              <a:lumMod val="20000"/>
+              <a:lumOff val="80000"/>
+            </a:schemeClr>
+          </a:solidFill>
+          <a:ln>
+            <a:solidFill>
+              <a:srgbClr val="92D050"/>
+            </a:solidFill>
+          </a:ln>
+        </p:spPr>
+        <p:style>
+          <a:lnRef idx="2">
+            <a:schemeClr val="accent6"/>
+          </a:lnRef>
+          <a:fillRef idx="1">
+            <a:schemeClr val="lt1"/>
+          </a:fillRef>
+          <a:effectRef idx="0">
+            <a:schemeClr val="accent6"/>
+          </a:effectRef>
+          <a:fontRef idx="minor">
+            <a:schemeClr val="dk1"/>
+          </a:fontRef>
+        </p:style>
+        <p:txBody>
+          <a:bodyPr rtlCol="0" anchor="ctr"/>
+          <a:lstStyle/>
+          <a:p>
+            <a:pPr algn="ctr"/>
+            <a:r>
+              <a:rPr lang="fr-FR" sz="1400" dirty="0" err="1" smtClean="0">
+                <a:latin typeface="Arial" panose="020B0604020202020204" pitchFamily="34" charset="0"/>
+                <a:cs typeface="Arial" panose="020B0604020202020204" pitchFamily="34" charset="0"/>
+              </a:rPr>
+              <a:t>Transform</a:t>
+            </a:r>
+            <a:r>
+              <a:rPr lang="fr-FR" sz="1400" dirty="0" smtClean="0">
+                <a:latin typeface="Arial" panose="020B0604020202020204" pitchFamily="34" charset="0"/>
+                <a:cs typeface="Arial" panose="020B0604020202020204" pitchFamily="34" charset="0"/>
+              </a:rPr>
+              <a:t> </a:t>
+            </a:r>
+            <a:r>
+              <a:rPr lang="en-US" sz="1400" dirty="0" smtClean="0">
+                <a:latin typeface="Arial" panose="020B0604020202020204" pitchFamily="34" charset="0"/>
+                <a:cs typeface="Arial" panose="020B0604020202020204" pitchFamily="34" charset="0"/>
+              </a:rPr>
+              <a:t>into</a:t>
+            </a:r>
+          </a:p>
+          <a:p>
+            <a:pPr algn="ctr"/>
+            <a:r>
+              <a:rPr lang="fr-FR" sz="1400" dirty="0" smtClean="0">
+                <a:latin typeface="Arial" panose="020B0604020202020204" pitchFamily="34" charset="0"/>
+                <a:cs typeface="Arial" panose="020B0604020202020204" pitchFamily="34" charset="0"/>
+              </a:rPr>
+              <a:t> </a:t>
+            </a:r>
+            <a:r>
+              <a:rPr lang="fr-FR" sz="1400" dirty="0" err="1" smtClean="0">
+                <a:latin typeface="Arial" panose="020B0604020202020204" pitchFamily="34" charset="0"/>
+                <a:cs typeface="Arial" panose="020B0604020202020204" pitchFamily="34" charset="0"/>
+              </a:rPr>
+              <a:t>Clocked</a:t>
+            </a:r>
+            <a:r>
+              <a:rPr lang="fr-FR" sz="1400" dirty="0" smtClean="0">
+                <a:latin typeface="Arial" panose="020B0604020202020204" pitchFamily="34" charset="0"/>
+                <a:cs typeface="Arial" panose="020B0604020202020204" pitchFamily="34" charset="0"/>
+              </a:rPr>
+              <a:t> </a:t>
+            </a:r>
+            <a:r>
+              <a:rPr lang="fr-FR" sz="1400" dirty="0" err="1" smtClean="0">
+                <a:latin typeface="Arial" panose="020B0604020202020204" pitchFamily="34" charset="0"/>
+                <a:cs typeface="Arial" panose="020B0604020202020204" pitchFamily="34" charset="0"/>
+              </a:rPr>
+              <a:t>Process</a:t>
+            </a:r>
+            <a:r>
+              <a:rPr lang="fr-FR" sz="1400" dirty="0" smtClean="0">
+                <a:latin typeface="Arial" panose="020B0604020202020204" pitchFamily="34" charset="0"/>
+                <a:cs typeface="Arial" panose="020B0604020202020204" pitchFamily="34" charset="0"/>
+              </a:rPr>
+              <a:t> </a:t>
+            </a:r>
+            <a:r>
+              <a:rPr lang="en-US" sz="1400" dirty="0" smtClean="0">
+                <a:latin typeface="Arial" panose="020B0604020202020204" pitchFamily="34" charset="0"/>
+                <a:cs typeface="Arial" panose="020B0604020202020204" pitchFamily="34" charset="0"/>
+              </a:rPr>
+              <a:t>Algebra</a:t>
+            </a:r>
+            <a:endParaRPr lang="en-US" sz="1400" dirty="0">
+              <a:latin typeface="Arial" panose="020B0604020202020204" pitchFamily="34" charset="0"/>
+              <a:cs typeface="Arial" panose="020B0604020202020204" pitchFamily="34" charset="0"/>
+            </a:endParaRPr>
+          </a:p>
+        </p:txBody>
+      </p:sp>
+      <p:sp>
+        <p:nvSpPr>
+          <p:cNvPr id="11" name="Rectangle à coins arrondis 10"/>
+          <p:cNvSpPr/>
+          <p:nvPr/>
+        </p:nvSpPr>
+        <p:spPr>
+          <a:xfrm>
+            <a:off x="9807328" y="2756307"/>
+            <a:ext cx="2038039" cy="810390"/>
+          </a:xfrm>
+          <a:prstGeom prst="roundRect">
+            <a:avLst/>
+          </a:prstGeom>
+          <a:solidFill>
+            <a:schemeClr val="accent6">
+              <a:lumMod val="20000"/>
+              <a:lumOff val="80000"/>
+            </a:schemeClr>
+          </a:solidFill>
+          <a:ln>
+            <a:solidFill>
+              <a:srgbClr val="92D050"/>
+            </a:solidFill>
+          </a:ln>
+        </p:spPr>
+        <p:style>
+          <a:lnRef idx="2">
+            <a:schemeClr val="accent6"/>
+          </a:lnRef>
+          <a:fillRef idx="1">
+            <a:schemeClr val="lt1"/>
+          </a:fillRef>
+          <a:effectRef idx="0">
+            <a:schemeClr val="accent6"/>
+          </a:effectRef>
+          <a:fontRef idx="minor">
+            <a:schemeClr val="dk1"/>
+          </a:fontRef>
+        </p:style>
+        <p:txBody>
+          <a:bodyPr rtlCol="0" anchor="ctr"/>
+          <a:lstStyle/>
+          <a:p>
+            <a:pPr algn="ctr"/>
+            <a:r>
+              <a:rPr lang="fr-FR" sz="1400" dirty="0" smtClean="0">
+                <a:latin typeface="Arial" panose="020B0604020202020204" pitchFamily="34" charset="0"/>
+                <a:cs typeface="Arial" panose="020B0604020202020204" pitchFamily="34" charset="0"/>
+              </a:rPr>
+              <a:t>Analyse </a:t>
+            </a:r>
+            <a:r>
+              <a:rPr lang="fr-FR" sz="1400" dirty="0" err="1" smtClean="0">
+                <a:latin typeface="Arial" panose="020B0604020202020204" pitchFamily="34" charset="0"/>
+                <a:cs typeface="Arial" panose="020B0604020202020204" pitchFamily="34" charset="0"/>
+              </a:rPr>
+              <a:t>Clocked</a:t>
+            </a:r>
+            <a:r>
+              <a:rPr lang="fr-FR" sz="1400" dirty="0" smtClean="0">
+                <a:latin typeface="Arial" panose="020B0604020202020204" pitchFamily="34" charset="0"/>
+                <a:cs typeface="Arial" panose="020B0604020202020204" pitchFamily="34" charset="0"/>
+              </a:rPr>
+              <a:t> </a:t>
+            </a:r>
+            <a:r>
+              <a:rPr lang="fr-FR" sz="1400" dirty="0" err="1" smtClean="0">
+                <a:latin typeface="Arial" panose="020B0604020202020204" pitchFamily="34" charset="0"/>
+                <a:cs typeface="Arial" panose="020B0604020202020204" pitchFamily="34" charset="0"/>
+              </a:rPr>
+              <a:t>Process</a:t>
+            </a:r>
+            <a:r>
+              <a:rPr lang="fr-FR" sz="1400" dirty="0" smtClean="0">
+                <a:latin typeface="Arial" panose="020B0604020202020204" pitchFamily="34" charset="0"/>
+                <a:cs typeface="Arial" panose="020B0604020202020204" pitchFamily="34" charset="0"/>
+              </a:rPr>
+              <a:t> </a:t>
+            </a:r>
+            <a:r>
+              <a:rPr lang="fr-FR" sz="1400" dirty="0" err="1">
+                <a:latin typeface="Arial" panose="020B0604020202020204" pitchFamily="34" charset="0"/>
+                <a:cs typeface="Arial" panose="020B0604020202020204" pitchFamily="34" charset="0"/>
+              </a:rPr>
+              <a:t>Algebra</a:t>
+            </a:r>
+            <a:r>
+              <a:rPr lang="fr-FR" sz="1400" dirty="0">
+                <a:latin typeface="Arial" panose="020B0604020202020204" pitchFamily="34" charset="0"/>
+                <a:cs typeface="Arial" panose="020B0604020202020204" pitchFamily="34" charset="0"/>
+              </a:rPr>
+              <a:t> </a:t>
+            </a:r>
+          </a:p>
+        </p:txBody>
+      </p:sp>
+      <p:cxnSp>
+        <p:nvCxnSpPr>
+          <p:cNvPr id="16" name="Connecteur droit avec flèche 15"/>
+          <p:cNvCxnSpPr>
+            <a:stCxn id="6" idx="3"/>
+          </p:cNvCxnSpPr>
+          <p:nvPr/>
+        </p:nvCxnSpPr>
+        <p:spPr>
+          <a:xfrm flipV="1">
+            <a:off x="5164690" y="3229043"/>
+            <a:ext cx="300449" cy="586893"/>
+          </a:xfrm>
+          <a:prstGeom prst="straightConnector1">
+            <a:avLst/>
+          </a:prstGeom>
+          <a:ln w="12700">
+            <a:prstDash val="lgDash"/>
+            <a:headEnd type="none" w="med" len="med"/>
+            <a:tailEnd type="arrow" w="med" len="med"/>
+          </a:ln>
+          <a:effectLst>
+            <a:outerShdw blurRad="50800" dist="38100" dir="5400000" algn="t" rotWithShape="0">
+              <a:prstClr val="black">
+                <a:alpha val="40000"/>
+              </a:prstClr>
+            </a:outerShdw>
+          </a:effectLst>
+        </p:spPr>
+        <p:style>
+          <a:lnRef idx="2">
+            <a:schemeClr val="accent6"/>
+          </a:lnRef>
+          <a:fillRef idx="1">
+            <a:schemeClr val="lt1"/>
+          </a:fillRef>
+          <a:effectRef idx="0">
+            <a:schemeClr val="accent6"/>
+          </a:effectRef>
+          <a:fontRef idx="minor">
+            <a:schemeClr val="dk1"/>
+          </a:fontRef>
+        </p:style>
+      </p:cxnSp>
+      <p:cxnSp>
+        <p:nvCxnSpPr>
+          <p:cNvPr id="17" name="Connecteur droit avec flèche 16"/>
+          <p:cNvCxnSpPr>
+            <a:stCxn id="10" idx="3"/>
+            <a:endCxn id="11" idx="1"/>
+          </p:cNvCxnSpPr>
+          <p:nvPr/>
+        </p:nvCxnSpPr>
+        <p:spPr>
+          <a:xfrm>
+            <a:off x="8119597" y="3161502"/>
+            <a:ext cx="1687731" cy="0"/>
+          </a:xfrm>
+          <a:prstGeom prst="straightConnector1">
+            <a:avLst/>
+          </a:prstGeom>
+          <a:ln w="28575">
+            <a:headEnd type="none" w="med" len="med"/>
+            <a:tailEnd type="arrow" w="med" len="med"/>
+          </a:ln>
+          <a:effectLst>
+            <a:outerShdw blurRad="50800" dist="38100" dir="5400000" algn="t" rotWithShape="0">
+              <a:prstClr val="black">
+                <a:alpha val="40000"/>
+              </a:prstClr>
+            </a:outerShdw>
+          </a:effectLst>
+        </p:spPr>
+        <p:style>
+          <a:lnRef idx="2">
+            <a:schemeClr val="accent6"/>
+          </a:lnRef>
+          <a:fillRef idx="1">
+            <a:schemeClr val="lt1"/>
+          </a:fillRef>
+          <a:effectRef idx="0">
+            <a:schemeClr val="accent6"/>
+          </a:effectRef>
+          <a:fontRef idx="minor">
+            <a:schemeClr val="dk1"/>
+          </a:fontRef>
+        </p:style>
+      </p:cxnSp>
+      <p:sp>
+        <p:nvSpPr>
+          <p:cNvPr id="26" name="Rectangle avec coins rognés en diagonale 25"/>
+          <p:cNvSpPr/>
+          <p:nvPr/>
+        </p:nvSpPr>
+        <p:spPr>
+          <a:xfrm>
+            <a:off x="8409464" y="3837032"/>
+            <a:ext cx="1391514" cy="663441"/>
+          </a:xfrm>
+          <a:prstGeom prst="snip2DiagRect">
+            <a:avLst/>
+          </a:prstGeom>
+        </p:spPr>
+        <p:style>
+          <a:lnRef idx="2">
+            <a:schemeClr val="accent6"/>
+          </a:lnRef>
+          <a:fillRef idx="1">
+            <a:schemeClr val="lt1"/>
+          </a:fillRef>
+          <a:effectRef idx="0">
+            <a:schemeClr val="accent6"/>
+          </a:effectRef>
+          <a:fontRef idx="minor">
+            <a:schemeClr val="dk1"/>
+          </a:fontRef>
+        </p:style>
+        <p:txBody>
+          <a:bodyPr rtlCol="0" anchor="ctr"/>
+          <a:lstStyle/>
+          <a:p>
+            <a:pPr algn="ctr"/>
+            <a:r>
+              <a:rPr lang="fr-FR" sz="1400" dirty="0" err="1">
+                <a:latin typeface="Arial" panose="020B0604020202020204" pitchFamily="34" charset="0"/>
+                <a:cs typeface="Arial" panose="020B0604020202020204" pitchFamily="34" charset="0"/>
+              </a:rPr>
+              <a:t>p</a:t>
+            </a:r>
+            <a:r>
+              <a:rPr lang="fr-FR" sz="1400" dirty="0" err="1" smtClean="0">
+                <a:latin typeface="Arial" panose="020B0604020202020204" pitchFamily="34" charset="0"/>
+                <a:cs typeface="Arial" panose="020B0604020202020204" pitchFamily="34" charset="0"/>
+              </a:rPr>
+              <a:t>rocess</a:t>
+            </a:r>
+            <a:r>
+              <a:rPr lang="fr-FR" sz="1400" dirty="0" smtClean="0">
+                <a:latin typeface="Arial" panose="020B0604020202020204" pitchFamily="34" charset="0"/>
+                <a:cs typeface="Arial" panose="020B0604020202020204" pitchFamily="34" charset="0"/>
+              </a:rPr>
+              <a:t> </a:t>
+            </a:r>
+            <a:r>
+              <a:rPr lang="fr-FR" sz="1400" dirty="0" err="1" smtClean="0">
+                <a:latin typeface="Arial" panose="020B0604020202020204" pitchFamily="34" charset="0"/>
+                <a:cs typeface="Arial" panose="020B0604020202020204" pitchFamily="34" charset="0"/>
+              </a:rPr>
+              <a:t>models</a:t>
+            </a:r>
+            <a:endParaRPr lang="fr-FR" sz="1400" dirty="0">
+              <a:latin typeface="Arial" panose="020B0604020202020204" pitchFamily="34" charset="0"/>
+              <a:cs typeface="Arial" panose="020B0604020202020204" pitchFamily="34" charset="0"/>
+            </a:endParaRPr>
+          </a:p>
+        </p:txBody>
+      </p:sp>
+      <p:cxnSp>
+        <p:nvCxnSpPr>
+          <p:cNvPr id="27" name="Connecteur droit avec flèche 26"/>
+          <p:cNvCxnSpPr>
+            <a:stCxn id="9" idx="3"/>
+            <a:endCxn id="10" idx="1"/>
+          </p:cNvCxnSpPr>
+          <p:nvPr/>
+        </p:nvCxnSpPr>
+        <p:spPr>
+          <a:xfrm>
+            <a:off x="4219400" y="3161502"/>
+            <a:ext cx="1723883" cy="0"/>
+          </a:xfrm>
+          <a:prstGeom prst="straightConnector1">
+            <a:avLst/>
+          </a:prstGeom>
+          <a:ln w="28575">
+            <a:headEnd type="none" w="med" len="med"/>
+            <a:tailEnd type="arrow" w="med" len="med"/>
+          </a:ln>
+          <a:effectLst>
+            <a:outerShdw blurRad="50800" dist="38100" dir="5400000" algn="t" rotWithShape="0">
+              <a:prstClr val="black">
+                <a:alpha val="40000"/>
+              </a:prstClr>
+            </a:outerShdw>
+          </a:effectLst>
+        </p:spPr>
+        <p:style>
+          <a:lnRef idx="2">
+            <a:schemeClr val="accent6"/>
+          </a:lnRef>
+          <a:fillRef idx="1">
+            <a:schemeClr val="lt1"/>
+          </a:fillRef>
+          <a:effectRef idx="0">
+            <a:schemeClr val="accent6"/>
+          </a:effectRef>
+          <a:fontRef idx="minor">
+            <a:schemeClr val="dk1"/>
+          </a:fontRef>
+        </p:style>
+      </p:cxnSp>
+      <p:cxnSp>
+        <p:nvCxnSpPr>
+          <p:cNvPr id="61" name="Connecteur droit avec flèche 60"/>
+          <p:cNvCxnSpPr>
+            <a:stCxn id="7" idx="3"/>
+          </p:cNvCxnSpPr>
+          <p:nvPr/>
+        </p:nvCxnSpPr>
+        <p:spPr>
+          <a:xfrm flipH="1" flipV="1">
+            <a:off x="10342433" y="5459190"/>
+            <a:ext cx="370987" cy="336181"/>
+          </a:xfrm>
+          <a:prstGeom prst="straightConnector1">
+            <a:avLst/>
+          </a:prstGeom>
+          <a:ln w="12700">
+            <a:prstDash val="lgDash"/>
+            <a:headEnd type="none" w="med" len="med"/>
+            <a:tailEnd type="arrow" w="med" len="med"/>
+          </a:ln>
+          <a:effectLst>
+            <a:outerShdw blurRad="50800" dist="38100" dir="5400000" algn="t" rotWithShape="0">
+              <a:prstClr val="black">
+                <a:alpha val="40000"/>
+              </a:prstClr>
+            </a:outerShdw>
+          </a:effectLst>
+        </p:spPr>
+        <p:style>
+          <a:lnRef idx="2">
+            <a:schemeClr val="accent6"/>
+          </a:lnRef>
+          <a:fillRef idx="1">
+            <a:schemeClr val="lt1"/>
+          </a:fillRef>
+          <a:effectRef idx="0">
+            <a:schemeClr val="accent6"/>
+          </a:effectRef>
+          <a:fontRef idx="minor">
+            <a:schemeClr val="dk1"/>
+          </a:fontRef>
+        </p:style>
+      </p:cxnSp>
+      <p:cxnSp>
+        <p:nvCxnSpPr>
+          <p:cNvPr id="84" name="Connecteur droit avec flèche 83"/>
+          <p:cNvCxnSpPr>
+            <a:stCxn id="26" idx="3"/>
+          </p:cNvCxnSpPr>
+          <p:nvPr/>
+        </p:nvCxnSpPr>
+        <p:spPr>
+          <a:xfrm flipV="1">
+            <a:off x="9105221" y="3251842"/>
+            <a:ext cx="284712" cy="585190"/>
+          </a:xfrm>
+          <a:prstGeom prst="straightConnector1">
+            <a:avLst/>
+          </a:prstGeom>
+          <a:ln w="12700">
+            <a:prstDash val="lgDash"/>
+            <a:headEnd type="none" w="med" len="med"/>
+            <a:tailEnd type="arrow" w="med" len="med"/>
+          </a:ln>
+          <a:effectLst>
+            <a:outerShdw blurRad="50800" dist="38100" dir="5400000" algn="t" rotWithShape="0">
+              <a:prstClr val="black">
+                <a:alpha val="40000"/>
+              </a:prstClr>
+            </a:outerShdw>
+          </a:effectLst>
+        </p:spPr>
+        <p:style>
+          <a:lnRef idx="2">
+            <a:schemeClr val="accent6"/>
+          </a:lnRef>
+          <a:fillRef idx="1">
+            <a:schemeClr val="lt1"/>
+          </a:fillRef>
+          <a:effectRef idx="0">
+            <a:schemeClr val="accent6"/>
+          </a:effectRef>
+          <a:fontRef idx="minor">
+            <a:schemeClr val="dk1"/>
+          </a:fontRef>
+        </p:style>
+      </p:cxnSp>
+      <p:sp>
+        <p:nvSpPr>
+          <p:cNvPr id="18" name="Rectangle à coins arrondis 17"/>
+          <p:cNvSpPr/>
+          <p:nvPr/>
+        </p:nvSpPr>
+        <p:spPr>
+          <a:xfrm>
+            <a:off x="1136642" y="402849"/>
+            <a:ext cx="2457415" cy="810390"/>
+          </a:xfrm>
+          <a:prstGeom prst="roundRect">
+            <a:avLst/>
+          </a:prstGeom>
+          <a:solidFill>
+            <a:schemeClr val="accent1">
+              <a:lumMod val="40000"/>
+              <a:lumOff val="60000"/>
+            </a:schemeClr>
+          </a:solidFill>
+          <a:ln>
+            <a:solidFill>
+              <a:schemeClr val="accent1">
+                <a:lumMod val="75000"/>
+              </a:schemeClr>
+            </a:solidFill>
+          </a:ln>
+        </p:spPr>
+        <p:style>
+          <a:lnRef idx="2">
+            <a:schemeClr val="accent6"/>
+          </a:lnRef>
+          <a:fillRef idx="1">
+            <a:schemeClr val="lt1"/>
+          </a:fillRef>
+          <a:effectRef idx="0">
+            <a:schemeClr val="accent6"/>
+          </a:effectRef>
+          <a:fontRef idx="minor">
+            <a:schemeClr val="dk1"/>
+          </a:fontRef>
+        </p:style>
+        <p:txBody>
+          <a:bodyPr rtlCol="0" anchor="ctr"/>
+          <a:lstStyle/>
+          <a:p>
+            <a:pPr algn="ctr"/>
+            <a:r>
+              <a:rPr lang="fr-FR" sz="1400" dirty="0" err="1" smtClean="0">
+                <a:latin typeface="Arial" panose="020B0604020202020204" pitchFamily="34" charset="0"/>
+                <a:cs typeface="Arial" panose="020B0604020202020204" pitchFamily="34" charset="0"/>
+              </a:rPr>
+              <a:t>Elicit</a:t>
+            </a:r>
+            <a:r>
+              <a:rPr lang="fr-FR" sz="1400" dirty="0" smtClean="0">
+                <a:latin typeface="Arial" panose="020B0604020202020204" pitchFamily="34" charset="0"/>
+                <a:cs typeface="Arial" panose="020B0604020202020204" pitchFamily="34" charset="0"/>
+              </a:rPr>
+              <a:t> </a:t>
+            </a:r>
+            <a:r>
+              <a:rPr lang="fr-FR" sz="1400" dirty="0" err="1">
+                <a:latin typeface="Arial" panose="020B0604020202020204" pitchFamily="34" charset="0"/>
+                <a:cs typeface="Arial" panose="020B0604020202020204" pitchFamily="34" charset="0"/>
+              </a:rPr>
+              <a:t>F</a:t>
+            </a:r>
+            <a:r>
+              <a:rPr lang="fr-FR" sz="1400" dirty="0" err="1" smtClean="0">
+                <a:latin typeface="Arial" panose="020B0604020202020204" pitchFamily="34" charset="0"/>
+                <a:cs typeface="Arial" panose="020B0604020202020204" pitchFamily="34" charset="0"/>
+              </a:rPr>
+              <a:t>unctional</a:t>
+            </a:r>
+            <a:r>
+              <a:rPr lang="fr-FR" sz="1400" dirty="0" smtClean="0">
+                <a:latin typeface="Arial" panose="020B0604020202020204" pitchFamily="34" charset="0"/>
+                <a:cs typeface="Arial" panose="020B0604020202020204" pitchFamily="34" charset="0"/>
+              </a:rPr>
+              <a:t> </a:t>
+            </a:r>
+            <a:r>
+              <a:rPr lang="fr-FR" sz="1400" dirty="0" err="1" smtClean="0">
+                <a:latin typeface="Arial" panose="020B0604020202020204" pitchFamily="34" charset="0"/>
+                <a:cs typeface="Arial" panose="020B0604020202020204" pitchFamily="34" charset="0"/>
+              </a:rPr>
+              <a:t>Requirements</a:t>
+            </a:r>
+            <a:r>
+              <a:rPr lang="fr-FR" sz="1400" dirty="0" smtClean="0">
+                <a:latin typeface="Arial" panose="020B0604020202020204" pitchFamily="34" charset="0"/>
+                <a:cs typeface="Arial" panose="020B0604020202020204" pitchFamily="34" charset="0"/>
+              </a:rPr>
+              <a:t> </a:t>
+            </a:r>
+          </a:p>
+          <a:p>
+            <a:pPr algn="ctr"/>
+            <a:r>
+              <a:rPr lang="fr-FR" sz="1400" dirty="0" smtClean="0">
+                <a:latin typeface="Arial" panose="020B0604020202020204" pitchFamily="34" charset="0"/>
+                <a:cs typeface="Arial" panose="020B0604020202020204" pitchFamily="34" charset="0"/>
+              </a:rPr>
+              <a:t>and Time </a:t>
+            </a:r>
+            <a:r>
+              <a:rPr lang="fr-FR" sz="1400" dirty="0" err="1" smtClean="0">
+                <a:latin typeface="Arial" panose="020B0604020202020204" pitchFamily="34" charset="0"/>
+                <a:cs typeface="Arial" panose="020B0604020202020204" pitchFamily="34" charset="0"/>
+              </a:rPr>
+              <a:t>Constraints</a:t>
+            </a:r>
+            <a:r>
+              <a:rPr lang="fr-FR" sz="1400" dirty="0" smtClean="0">
+                <a:latin typeface="Arial" panose="020B0604020202020204" pitchFamily="34" charset="0"/>
+                <a:cs typeface="Arial" panose="020B0604020202020204" pitchFamily="34" charset="0"/>
+              </a:rPr>
+              <a:t> </a:t>
+            </a:r>
+            <a:endParaRPr lang="fr-FR" sz="1400" dirty="0">
+              <a:latin typeface="Arial" panose="020B0604020202020204" pitchFamily="34" charset="0"/>
+              <a:cs typeface="Arial" panose="020B0604020202020204" pitchFamily="34" charset="0"/>
+            </a:endParaRPr>
+          </a:p>
+        </p:txBody>
+      </p:sp>
+      <p:cxnSp>
+        <p:nvCxnSpPr>
+          <p:cNvPr id="3" name="Connecteur en angle 2"/>
+          <p:cNvCxnSpPr>
+            <a:stCxn id="18" idx="2"/>
+            <a:endCxn id="9" idx="1"/>
+          </p:cNvCxnSpPr>
+          <p:nvPr/>
+        </p:nvCxnSpPr>
+        <p:spPr>
+          <a:xfrm rot="5400000">
+            <a:off x="1335179" y="2131330"/>
+            <a:ext cx="1948263" cy="112080"/>
+          </a:xfrm>
+          <a:prstGeom prst="bentConnector4">
+            <a:avLst>
+              <a:gd name="adj1" fmla="val 39601"/>
+              <a:gd name="adj2" fmla="val 1049188"/>
+            </a:avLst>
+          </a:prstGeom>
+          <a:ln w="38100">
+            <a:tailEnd type="triangle"/>
+          </a:ln>
+        </p:spPr>
+        <p:style>
+          <a:lnRef idx="1">
+            <a:schemeClr val="accent1"/>
+          </a:lnRef>
+          <a:fillRef idx="0">
+            <a:schemeClr val="accent1"/>
+          </a:fillRef>
+          <a:effectRef idx="0">
+            <a:schemeClr val="accent1"/>
+          </a:effectRef>
+          <a:fontRef idx="minor">
+            <a:schemeClr val="tx1"/>
+          </a:fontRef>
+        </p:style>
+      </p:cxnSp>
+      <p:cxnSp>
+        <p:nvCxnSpPr>
+          <p:cNvPr id="30" name="Connecteur droit avec flèche 29"/>
+          <p:cNvCxnSpPr/>
+          <p:nvPr/>
+        </p:nvCxnSpPr>
+        <p:spPr>
+          <a:xfrm>
+            <a:off x="2356180" y="48619"/>
+            <a:ext cx="0" cy="354230"/>
+          </a:xfrm>
+          <a:prstGeom prst="straightConnector1">
+            <a:avLst/>
+          </a:prstGeom>
+          <a:ln>
+            <a:tailEnd type="triangle"/>
+          </a:ln>
+        </p:spPr>
+        <p:style>
+          <a:lnRef idx="1">
+            <a:schemeClr val="accent1"/>
+          </a:lnRef>
+          <a:fillRef idx="0">
+            <a:schemeClr val="accent1"/>
+          </a:fillRef>
+          <a:effectRef idx="0">
+            <a:schemeClr val="accent1"/>
+          </a:effectRef>
+          <a:fontRef idx="minor">
+            <a:schemeClr val="tx1"/>
+          </a:fontRef>
+        </p:style>
+      </p:cxnSp>
+      <p:sp>
+        <p:nvSpPr>
+          <p:cNvPr id="31" name="Rectangle avec coins rognés en diagonale 30"/>
+          <p:cNvSpPr/>
+          <p:nvPr/>
+        </p:nvSpPr>
+        <p:spPr>
+          <a:xfrm>
+            <a:off x="688484" y="3754482"/>
+            <a:ext cx="1375368" cy="663441"/>
+          </a:xfrm>
+          <a:prstGeom prst="snip2DiagRect">
+            <a:avLst/>
+          </a:prstGeom>
+          <a:ln>
+            <a:solidFill>
+              <a:schemeClr val="accent1">
+                <a:lumMod val="75000"/>
+              </a:schemeClr>
+            </a:solidFill>
+          </a:ln>
+        </p:spPr>
+        <p:style>
+          <a:lnRef idx="2">
+            <a:schemeClr val="accent6"/>
+          </a:lnRef>
+          <a:fillRef idx="1">
+            <a:schemeClr val="lt1"/>
+          </a:fillRef>
+          <a:effectRef idx="0">
+            <a:schemeClr val="accent6"/>
+          </a:effectRef>
+          <a:fontRef idx="minor">
+            <a:schemeClr val="dk1"/>
+          </a:fontRef>
+        </p:style>
+        <p:txBody>
+          <a:bodyPr rtlCol="0" anchor="ctr"/>
+          <a:lstStyle/>
+          <a:p>
+            <a:pPr algn="ctr"/>
+            <a:r>
+              <a:rPr lang="fr-FR" sz="1400" dirty="0">
+                <a:latin typeface="Arial" panose="020B0604020202020204" pitchFamily="34" charset="0"/>
+                <a:cs typeface="Arial" panose="020B0604020202020204" pitchFamily="34" charset="0"/>
+              </a:rPr>
+              <a:t>f</a:t>
+            </a:r>
+            <a:r>
+              <a:rPr lang="fr-FR" sz="1400" dirty="0" smtClean="0">
+                <a:latin typeface="Arial" panose="020B0604020202020204" pitchFamily="34" charset="0"/>
+                <a:cs typeface="Arial" panose="020B0604020202020204" pitchFamily="34" charset="0"/>
+              </a:rPr>
+              <a:t>ree </a:t>
+            </a:r>
+            <a:r>
+              <a:rPr lang="fr-FR" sz="1400" dirty="0" err="1" smtClean="0">
+                <a:latin typeface="Arial" panose="020B0604020202020204" pitchFamily="34" charset="0"/>
+                <a:cs typeface="Arial" panose="020B0604020202020204" pitchFamily="34" charset="0"/>
+              </a:rPr>
+              <a:t>requirements</a:t>
+            </a:r>
+            <a:endParaRPr lang="fr-FR" sz="1400" dirty="0" smtClean="0">
+              <a:latin typeface="Arial" panose="020B0604020202020204" pitchFamily="34" charset="0"/>
+              <a:cs typeface="Arial" panose="020B0604020202020204" pitchFamily="34" charset="0"/>
+            </a:endParaRPr>
+          </a:p>
+        </p:txBody>
+      </p:sp>
+      <p:sp>
+        <p:nvSpPr>
+          <p:cNvPr id="23" name="ZoneTexte 22"/>
+          <p:cNvSpPr txBox="1"/>
+          <p:nvPr/>
+        </p:nvSpPr>
+        <p:spPr>
+          <a:xfrm>
+            <a:off x="1257939" y="2820325"/>
+            <a:ext cx="1053494" cy="307777"/>
+          </a:xfrm>
+          <a:prstGeom prst="rect">
+            <a:avLst/>
+          </a:prstGeom>
+          <a:noFill/>
+        </p:spPr>
+        <p:txBody>
+          <a:bodyPr wrap="none" rtlCol="0">
+            <a:spAutoFit/>
+          </a:bodyPr>
+          <a:lstStyle/>
+          <a:p>
+            <a:r>
+              <a:rPr lang="fr-FR" sz="1400" dirty="0" smtClean="0">
+                <a:latin typeface="Arial" panose="020B0604020202020204" pitchFamily="34" charset="0"/>
+                <a:cs typeface="Arial" panose="020B0604020202020204" pitchFamily="34" charset="0"/>
+              </a:rPr>
+              <a:t>+ </a:t>
+            </a:r>
+            <a:r>
+              <a:rPr lang="fr-FR" sz="1400" dirty="0" err="1" smtClean="0">
+                <a:latin typeface="Arial" panose="020B0604020202020204" pitchFamily="34" charset="0"/>
+                <a:cs typeface="Arial" panose="020B0604020202020204" pitchFamily="34" charset="0"/>
+              </a:rPr>
+              <a:t>grammar</a:t>
+            </a:r>
+            <a:endParaRPr lang="fr-FR" sz="1400" dirty="0">
+              <a:latin typeface="Arial" panose="020B0604020202020204" pitchFamily="34" charset="0"/>
+              <a:cs typeface="Arial" panose="020B0604020202020204" pitchFamily="34" charset="0"/>
+            </a:endParaRPr>
+          </a:p>
+        </p:txBody>
+      </p:sp>
+      <p:cxnSp>
+        <p:nvCxnSpPr>
+          <p:cNvPr id="43" name="Connecteur droit avec flèche 42"/>
+          <p:cNvCxnSpPr>
+            <a:stCxn id="31" idx="3"/>
+          </p:cNvCxnSpPr>
+          <p:nvPr/>
+        </p:nvCxnSpPr>
+        <p:spPr>
+          <a:xfrm flipV="1">
+            <a:off x="1376168" y="3251842"/>
+            <a:ext cx="307543" cy="502640"/>
+          </a:xfrm>
+          <a:prstGeom prst="straightConnector1">
+            <a:avLst/>
+          </a:prstGeom>
+          <a:ln w="12700">
+            <a:solidFill>
+              <a:schemeClr val="accent1">
+                <a:lumMod val="75000"/>
+              </a:schemeClr>
+            </a:solidFill>
+            <a:prstDash val="lgDash"/>
+            <a:headEnd type="none" w="med" len="med"/>
+            <a:tailEnd type="arrow" w="med" len="med"/>
+          </a:ln>
+          <a:effectLst>
+            <a:outerShdw blurRad="50800" dist="38100" dir="5400000" algn="t" rotWithShape="0">
+              <a:prstClr val="black">
+                <a:alpha val="40000"/>
+              </a:prstClr>
+            </a:outerShdw>
+          </a:effectLst>
+        </p:spPr>
+        <p:style>
+          <a:lnRef idx="2">
+            <a:schemeClr val="accent6"/>
+          </a:lnRef>
+          <a:fillRef idx="1">
+            <a:schemeClr val="lt1"/>
+          </a:fillRef>
+          <a:effectRef idx="0">
+            <a:schemeClr val="accent6"/>
+          </a:effectRef>
+          <a:fontRef idx="minor">
+            <a:schemeClr val="dk1"/>
+          </a:fontRef>
+        </p:style>
+      </p:cxnSp>
+      <p:sp>
+        <p:nvSpPr>
+          <p:cNvPr id="2" name="ZoneTexte 1"/>
+          <p:cNvSpPr txBox="1"/>
+          <p:nvPr/>
+        </p:nvSpPr>
+        <p:spPr>
+          <a:xfrm>
+            <a:off x="3131646" y="71845"/>
+            <a:ext cx="512759" cy="307777"/>
+          </a:xfrm>
+          <a:prstGeom prst="rect">
+            <a:avLst/>
+          </a:prstGeom>
+          <a:noFill/>
+        </p:spPr>
+        <p:txBody>
+          <a:bodyPr wrap="square" rtlCol="0">
+            <a:spAutoFit/>
+          </a:bodyPr>
+          <a:lstStyle/>
+          <a:p>
+            <a:r>
+              <a:rPr lang="fr-FR" sz="1400" dirty="0" smtClean="0">
+                <a:latin typeface="Arial" panose="020B0604020202020204" pitchFamily="34" charset="0"/>
+                <a:cs typeface="Arial" panose="020B0604020202020204" pitchFamily="34" charset="0"/>
+              </a:rPr>
+              <a:t>(1)</a:t>
+            </a:r>
+            <a:endParaRPr lang="fr-FR" sz="1400" dirty="0">
+              <a:latin typeface="Arial" panose="020B0604020202020204" pitchFamily="34" charset="0"/>
+              <a:cs typeface="Arial" panose="020B0604020202020204" pitchFamily="34" charset="0"/>
+            </a:endParaRPr>
+          </a:p>
+        </p:txBody>
+      </p:sp>
+      <p:sp>
+        <p:nvSpPr>
+          <p:cNvPr id="25" name="ZoneTexte 24"/>
+          <p:cNvSpPr txBox="1"/>
+          <p:nvPr/>
+        </p:nvSpPr>
+        <p:spPr>
+          <a:xfrm>
+            <a:off x="3733589" y="2439761"/>
+            <a:ext cx="512759" cy="307777"/>
+          </a:xfrm>
+          <a:prstGeom prst="rect">
+            <a:avLst/>
+          </a:prstGeom>
+          <a:noFill/>
+        </p:spPr>
+        <p:txBody>
+          <a:bodyPr wrap="square" rtlCol="0">
+            <a:spAutoFit/>
+          </a:bodyPr>
+          <a:lstStyle/>
+          <a:p>
+            <a:r>
+              <a:rPr lang="fr-FR" sz="1400" dirty="0" smtClean="0">
+                <a:latin typeface="Arial" panose="020B0604020202020204" pitchFamily="34" charset="0"/>
+                <a:cs typeface="Arial" panose="020B0604020202020204" pitchFamily="34" charset="0"/>
+              </a:rPr>
+              <a:t>(2)</a:t>
+            </a:r>
+            <a:endParaRPr lang="fr-FR" sz="1400" dirty="0">
+              <a:latin typeface="Arial" panose="020B0604020202020204" pitchFamily="34" charset="0"/>
+              <a:cs typeface="Arial" panose="020B0604020202020204" pitchFamily="34" charset="0"/>
+            </a:endParaRPr>
+          </a:p>
+        </p:txBody>
+      </p:sp>
+      <p:sp>
+        <p:nvSpPr>
+          <p:cNvPr id="28" name="ZoneTexte 27"/>
+          <p:cNvSpPr txBox="1"/>
+          <p:nvPr/>
+        </p:nvSpPr>
+        <p:spPr>
+          <a:xfrm>
+            <a:off x="7598384" y="2411660"/>
+            <a:ext cx="512759" cy="307777"/>
+          </a:xfrm>
+          <a:prstGeom prst="rect">
+            <a:avLst/>
+          </a:prstGeom>
+          <a:noFill/>
+        </p:spPr>
+        <p:txBody>
+          <a:bodyPr wrap="square" rtlCol="0">
+            <a:spAutoFit/>
+          </a:bodyPr>
+          <a:lstStyle/>
+          <a:p>
+            <a:r>
+              <a:rPr lang="fr-FR" sz="1400" dirty="0" smtClean="0">
+                <a:latin typeface="Arial" panose="020B0604020202020204" pitchFamily="34" charset="0"/>
+                <a:cs typeface="Arial" panose="020B0604020202020204" pitchFamily="34" charset="0"/>
+              </a:rPr>
+              <a:t>(3)</a:t>
+            </a:r>
+            <a:endParaRPr lang="fr-FR" sz="1400" dirty="0">
+              <a:latin typeface="Arial" panose="020B0604020202020204" pitchFamily="34" charset="0"/>
+              <a:cs typeface="Arial" panose="020B0604020202020204" pitchFamily="34" charset="0"/>
+            </a:endParaRPr>
+          </a:p>
+        </p:txBody>
+      </p:sp>
+      <p:sp>
+        <p:nvSpPr>
+          <p:cNvPr id="24" name="Rectangle à coins arrondis 23"/>
+          <p:cNvSpPr/>
+          <p:nvPr/>
+        </p:nvSpPr>
+        <p:spPr>
+          <a:xfrm>
+            <a:off x="2253268" y="4942040"/>
+            <a:ext cx="1966131" cy="810390"/>
+          </a:xfrm>
+          <a:prstGeom prst="roundRect">
+            <a:avLst/>
+          </a:prstGeom>
+          <a:solidFill>
+            <a:schemeClr val="accent6">
+              <a:lumMod val="20000"/>
+              <a:lumOff val="80000"/>
+            </a:schemeClr>
+          </a:solidFill>
+          <a:ln>
+            <a:solidFill>
+              <a:srgbClr val="92D050"/>
+            </a:solidFill>
+          </a:ln>
+        </p:spPr>
+        <p:style>
+          <a:lnRef idx="2">
+            <a:schemeClr val="accent6"/>
+          </a:lnRef>
+          <a:fillRef idx="1">
+            <a:schemeClr val="lt1"/>
+          </a:fillRef>
+          <a:effectRef idx="0">
+            <a:schemeClr val="accent6"/>
+          </a:effectRef>
+          <a:fontRef idx="minor">
+            <a:schemeClr val="dk1"/>
+          </a:fontRef>
+        </p:style>
+        <p:txBody>
+          <a:bodyPr rtlCol="0" anchor="ctr"/>
+          <a:lstStyle/>
+          <a:p>
+            <a:pPr algn="ctr" defTabSz="915288"/>
+            <a:r>
+              <a:rPr lang="fr-FR" sz="1400" kern="0" dirty="0" err="1">
+                <a:solidFill>
+                  <a:prstClr val="black"/>
+                </a:solidFill>
+                <a:latin typeface="Arial" panose="020B0604020202020204" pitchFamily="34" charset="0"/>
+                <a:cs typeface="Arial" panose="020B0604020202020204" pitchFamily="34" charset="0"/>
+              </a:rPr>
+              <a:t>Requirements</a:t>
+            </a:r>
+            <a:r>
+              <a:rPr lang="fr-FR" sz="1400" kern="0" dirty="0">
+                <a:solidFill>
+                  <a:prstClr val="black"/>
+                </a:solidFill>
+                <a:latin typeface="Arial" panose="020B0604020202020204" pitchFamily="34" charset="0"/>
+                <a:cs typeface="Arial" panose="020B0604020202020204" pitchFamily="34" charset="0"/>
+              </a:rPr>
+              <a:t> </a:t>
+            </a:r>
+            <a:r>
+              <a:rPr lang="fr-FR" sz="1400" kern="0" dirty="0" err="1">
+                <a:solidFill>
+                  <a:prstClr val="black"/>
+                </a:solidFill>
+                <a:latin typeface="Arial" panose="020B0604020202020204" pitchFamily="34" charset="0"/>
+                <a:cs typeface="Arial" panose="020B0604020202020204" pitchFamily="34" charset="0"/>
+              </a:rPr>
+              <a:t>Quality</a:t>
+            </a:r>
+            <a:r>
+              <a:rPr lang="fr-FR" sz="1400" kern="0" dirty="0">
+                <a:solidFill>
+                  <a:prstClr val="black"/>
+                </a:solidFill>
+                <a:latin typeface="Arial" panose="020B0604020202020204" pitchFamily="34" charset="0"/>
+                <a:cs typeface="Arial" panose="020B0604020202020204" pitchFamily="34" charset="0"/>
+              </a:rPr>
+              <a:t> </a:t>
+            </a:r>
+            <a:r>
+              <a:rPr lang="fr-FR" sz="1400" kern="0" dirty="0" err="1">
+                <a:solidFill>
+                  <a:prstClr val="black"/>
+                </a:solidFill>
+                <a:latin typeface="Arial" panose="020B0604020202020204" pitchFamily="34" charset="0"/>
+                <a:cs typeface="Arial" panose="020B0604020202020204" pitchFamily="34" charset="0"/>
+              </a:rPr>
+              <a:t>Review</a:t>
+            </a:r>
+            <a:endParaRPr lang="fr-FR" sz="1400" kern="0" dirty="0">
+              <a:solidFill>
+                <a:prstClr val="black"/>
+              </a:solidFill>
+              <a:latin typeface="Arial" panose="020B0604020202020204" pitchFamily="34" charset="0"/>
+              <a:cs typeface="Arial" panose="020B0604020202020204" pitchFamily="34" charset="0"/>
+            </a:endParaRPr>
+          </a:p>
+        </p:txBody>
+      </p:sp>
+      <p:cxnSp>
+        <p:nvCxnSpPr>
+          <p:cNvPr id="5" name="Connecteur en angle 4"/>
+          <p:cNvCxnSpPr>
+            <a:stCxn id="11" idx="2"/>
+            <a:endCxn id="24" idx="3"/>
+          </p:cNvCxnSpPr>
+          <p:nvPr/>
+        </p:nvCxnSpPr>
+        <p:spPr>
+          <a:xfrm rot="5400000">
+            <a:off x="6632605" y="1153492"/>
+            <a:ext cx="1780538" cy="6606949"/>
+          </a:xfrm>
+          <a:prstGeom prst="bentConnector2">
+            <a:avLst/>
+          </a:prstGeom>
+          <a:ln w="28575">
+            <a:headEnd type="none" w="med" len="med"/>
+            <a:tailEnd type="arrow" w="med" len="med"/>
+          </a:ln>
+          <a:effectLst>
+            <a:outerShdw blurRad="50800" dist="38100" dir="5400000" algn="t" rotWithShape="0">
+              <a:prstClr val="black">
+                <a:alpha val="40000"/>
+              </a:prstClr>
+            </a:outerShdw>
+          </a:effectLst>
+        </p:spPr>
+        <p:style>
+          <a:lnRef idx="2">
+            <a:schemeClr val="accent6"/>
+          </a:lnRef>
+          <a:fillRef idx="1">
+            <a:schemeClr val="lt1"/>
+          </a:fillRef>
+          <a:effectRef idx="0">
+            <a:schemeClr val="accent6"/>
+          </a:effectRef>
+          <a:fontRef idx="minor">
+            <a:schemeClr val="dk1"/>
+          </a:fontRef>
+        </p:style>
+      </p:cxnSp>
+      <p:sp>
+        <p:nvSpPr>
+          <p:cNvPr id="48" name="ZoneTexte 47"/>
+          <p:cNvSpPr txBox="1">
+            <a:spLocks noChangeAspect="1"/>
+          </p:cNvSpPr>
+          <p:nvPr/>
+        </p:nvSpPr>
+        <p:spPr>
+          <a:xfrm rot="10800000" flipV="1">
+            <a:off x="2253268" y="6293663"/>
+            <a:ext cx="1966131" cy="523220"/>
+          </a:xfrm>
+          <a:prstGeom prst="rect">
+            <a:avLst/>
+          </a:prstGeom>
+          <a:solidFill>
+            <a:srgbClr val="70AD47"/>
+          </a:solidFill>
+        </p:spPr>
+        <p:txBody>
+          <a:bodyPr wrap="square" rtlCol="0">
+            <a:spAutoFit/>
+          </a:bodyPr>
+          <a:lstStyle/>
+          <a:p>
+            <a:pPr algn="ctr" defTabSz="915288" eaLnBrk="1" fontAlgn="auto" hangingPunct="1">
+              <a:spcBef>
+                <a:spcPts val="0"/>
+              </a:spcBef>
+              <a:spcAft>
+                <a:spcPts val="0"/>
+              </a:spcAft>
+              <a:defRPr/>
+            </a:pPr>
+            <a:r>
+              <a:rPr lang="fr-FR" sz="1400" kern="0" dirty="0" err="1">
+                <a:solidFill>
+                  <a:prstClr val="black"/>
+                </a:solidFill>
+                <a:latin typeface="Arial" panose="020B0604020202020204" pitchFamily="34" charset="0"/>
+                <a:cs typeface="Arial" panose="020B0604020202020204" pitchFamily="34" charset="0"/>
+              </a:rPr>
+              <a:t>Requirements</a:t>
+            </a:r>
+            <a:r>
+              <a:rPr lang="fr-FR" sz="1400" kern="0" dirty="0">
+                <a:solidFill>
+                  <a:prstClr val="black"/>
+                </a:solidFill>
+                <a:latin typeface="Arial" panose="020B0604020202020204" pitchFamily="34" charset="0"/>
+                <a:cs typeface="Arial" panose="020B0604020202020204" pitchFamily="34" charset="0"/>
+              </a:rPr>
+              <a:t> </a:t>
+            </a:r>
+          </a:p>
+          <a:p>
+            <a:pPr algn="ctr" defTabSz="915288" eaLnBrk="1" fontAlgn="auto" hangingPunct="1">
+              <a:spcBef>
+                <a:spcPts val="0"/>
+              </a:spcBef>
+              <a:spcAft>
+                <a:spcPts val="0"/>
+              </a:spcAft>
+              <a:defRPr/>
+            </a:pPr>
+            <a:r>
+              <a:rPr lang="fr-FR" sz="1400" kern="0" dirty="0">
+                <a:solidFill>
+                  <a:prstClr val="black"/>
+                </a:solidFill>
+                <a:latin typeface="Arial" panose="020B0604020202020204" pitchFamily="34" charset="0"/>
+                <a:cs typeface="Arial" panose="020B0604020202020204" pitchFamily="34" charset="0"/>
+              </a:rPr>
+              <a:t>APPROVED</a:t>
+            </a:r>
+          </a:p>
+        </p:txBody>
+      </p:sp>
+      <p:sp>
+        <p:nvSpPr>
+          <p:cNvPr id="69" name="ZoneTexte 68"/>
+          <p:cNvSpPr txBox="1"/>
+          <p:nvPr/>
+        </p:nvSpPr>
+        <p:spPr>
+          <a:xfrm>
+            <a:off x="11389334" y="2441297"/>
+            <a:ext cx="512759" cy="307777"/>
+          </a:xfrm>
+          <a:prstGeom prst="rect">
+            <a:avLst/>
+          </a:prstGeom>
+          <a:noFill/>
+        </p:spPr>
+        <p:txBody>
+          <a:bodyPr wrap="square" rtlCol="0">
+            <a:spAutoFit/>
+          </a:bodyPr>
+          <a:lstStyle/>
+          <a:p>
+            <a:r>
+              <a:rPr lang="fr-FR" sz="1400" dirty="0" smtClean="0">
+                <a:latin typeface="Arial" panose="020B0604020202020204" pitchFamily="34" charset="0"/>
+                <a:cs typeface="Arial" panose="020B0604020202020204" pitchFamily="34" charset="0"/>
+              </a:rPr>
+              <a:t>(4)</a:t>
+            </a:r>
+            <a:endParaRPr lang="fr-FR" sz="1400" dirty="0">
+              <a:latin typeface="Arial" panose="020B0604020202020204" pitchFamily="34" charset="0"/>
+              <a:cs typeface="Arial" panose="020B0604020202020204" pitchFamily="34" charset="0"/>
+            </a:endParaRPr>
+          </a:p>
+        </p:txBody>
+      </p:sp>
+      <p:sp>
+        <p:nvSpPr>
+          <p:cNvPr id="70" name="ZoneTexte 69"/>
+          <p:cNvSpPr txBox="1"/>
+          <p:nvPr/>
+        </p:nvSpPr>
+        <p:spPr>
+          <a:xfrm>
+            <a:off x="3795961" y="4634263"/>
+            <a:ext cx="512759" cy="307777"/>
+          </a:xfrm>
+          <a:prstGeom prst="rect">
+            <a:avLst/>
+          </a:prstGeom>
+          <a:noFill/>
+        </p:spPr>
+        <p:txBody>
+          <a:bodyPr wrap="square" rtlCol="0">
+            <a:spAutoFit/>
+          </a:bodyPr>
+          <a:lstStyle/>
+          <a:p>
+            <a:r>
+              <a:rPr lang="fr-FR" sz="1400" dirty="0" smtClean="0">
+                <a:latin typeface="Arial" panose="020B0604020202020204" pitchFamily="34" charset="0"/>
+                <a:cs typeface="Arial" panose="020B0604020202020204" pitchFamily="34" charset="0"/>
+              </a:rPr>
+              <a:t>(5)</a:t>
+            </a:r>
+            <a:endParaRPr lang="fr-FR" sz="1400" dirty="0">
+              <a:latin typeface="Arial" panose="020B0604020202020204" pitchFamily="34" charset="0"/>
+              <a:cs typeface="Arial" panose="020B0604020202020204" pitchFamily="34" charset="0"/>
+            </a:endParaRPr>
+          </a:p>
+        </p:txBody>
+      </p:sp>
+      <p:sp>
+        <p:nvSpPr>
+          <p:cNvPr id="68" name="ZoneTexte 67"/>
+          <p:cNvSpPr txBox="1"/>
+          <p:nvPr/>
+        </p:nvSpPr>
+        <p:spPr>
+          <a:xfrm flipH="1">
+            <a:off x="2701434" y="5832875"/>
+            <a:ext cx="710031" cy="307777"/>
+          </a:xfrm>
+          <a:prstGeom prst="rect">
+            <a:avLst/>
+          </a:prstGeom>
+          <a:noFill/>
+        </p:spPr>
+        <p:txBody>
+          <a:bodyPr wrap="square" rtlCol="0">
+            <a:spAutoFit/>
+          </a:bodyPr>
+          <a:lstStyle/>
+          <a:p>
+            <a:r>
+              <a:rPr lang="fr-FR" sz="1400" dirty="0" smtClean="0"/>
+              <a:t>NOK</a:t>
+            </a:r>
+            <a:endParaRPr lang="fr-FR" sz="1400" dirty="0"/>
+          </a:p>
+        </p:txBody>
+      </p:sp>
+      <p:sp>
+        <p:nvSpPr>
+          <p:cNvPr id="72" name="ZoneTexte 71"/>
+          <p:cNvSpPr txBox="1"/>
+          <p:nvPr/>
+        </p:nvSpPr>
+        <p:spPr>
+          <a:xfrm flipH="1">
+            <a:off x="2776630" y="4572708"/>
+            <a:ext cx="710031" cy="307777"/>
+          </a:xfrm>
+          <a:prstGeom prst="rect">
+            <a:avLst/>
+          </a:prstGeom>
+          <a:noFill/>
+        </p:spPr>
+        <p:txBody>
+          <a:bodyPr wrap="square" rtlCol="0">
+            <a:spAutoFit/>
+          </a:bodyPr>
+          <a:lstStyle/>
+          <a:p>
+            <a:r>
+              <a:rPr lang="fr-FR" sz="1400" dirty="0" smtClean="0"/>
+              <a:t>OK</a:t>
+            </a:r>
+            <a:endParaRPr lang="fr-FR" sz="1400" dirty="0"/>
+          </a:p>
+        </p:txBody>
+      </p:sp>
+      <p:cxnSp>
+        <p:nvCxnSpPr>
+          <p:cNvPr id="83" name="Connecteur droit avec flèche 82"/>
+          <p:cNvCxnSpPr>
+            <a:stCxn id="24" idx="0"/>
+            <a:endCxn id="9" idx="2"/>
+          </p:cNvCxnSpPr>
+          <p:nvPr/>
+        </p:nvCxnSpPr>
+        <p:spPr>
+          <a:xfrm flipV="1">
+            <a:off x="3236334" y="3566697"/>
+            <a:ext cx="1" cy="1375343"/>
+          </a:xfrm>
+          <a:prstGeom prst="straightConnector1">
+            <a:avLst/>
+          </a:prstGeom>
+          <a:ln w="28575">
+            <a:headEnd type="none" w="med" len="med"/>
+            <a:tailEnd type="arrow" w="med" len="med"/>
+          </a:ln>
+          <a:effectLst>
+            <a:outerShdw blurRad="50800" dist="38100" dir="5400000" algn="t" rotWithShape="0">
+              <a:prstClr val="black">
+                <a:alpha val="40000"/>
+              </a:prstClr>
+            </a:outerShdw>
+          </a:effectLst>
+        </p:spPr>
+        <p:style>
+          <a:lnRef idx="2">
+            <a:schemeClr val="accent6"/>
+          </a:lnRef>
+          <a:fillRef idx="1">
+            <a:schemeClr val="lt1"/>
+          </a:fillRef>
+          <a:effectRef idx="0">
+            <a:schemeClr val="accent6"/>
+          </a:effectRef>
+          <a:fontRef idx="minor">
+            <a:schemeClr val="dk1"/>
+          </a:fontRef>
+        </p:style>
+      </p:cxnSp>
+      <p:cxnSp>
+        <p:nvCxnSpPr>
+          <p:cNvPr id="88" name="Connecteur droit avec flèche 87"/>
+          <p:cNvCxnSpPr>
+            <a:stCxn id="24" idx="2"/>
+            <a:endCxn id="48" idx="0"/>
+          </p:cNvCxnSpPr>
+          <p:nvPr/>
+        </p:nvCxnSpPr>
+        <p:spPr>
+          <a:xfrm flipH="1">
+            <a:off x="3236333" y="5752430"/>
+            <a:ext cx="1" cy="541233"/>
+          </a:xfrm>
+          <a:prstGeom prst="straightConnector1">
+            <a:avLst/>
+          </a:prstGeom>
+          <a:ln w="28575">
+            <a:headEnd type="none" w="med" len="med"/>
+            <a:tailEnd type="arrow" w="med" len="med"/>
+          </a:ln>
+          <a:effectLst>
+            <a:outerShdw blurRad="50800" dist="38100" dir="5400000" algn="t" rotWithShape="0">
+              <a:prstClr val="black">
+                <a:alpha val="40000"/>
+              </a:prstClr>
+            </a:outerShdw>
+          </a:effectLst>
+        </p:spPr>
+        <p:style>
+          <a:lnRef idx="2">
+            <a:schemeClr val="accent6"/>
+          </a:lnRef>
+          <a:fillRef idx="1">
+            <a:schemeClr val="lt1"/>
+          </a:fillRef>
+          <a:effectRef idx="0">
+            <a:schemeClr val="accent6"/>
+          </a:effectRef>
+          <a:fontRef idx="minor">
+            <a:schemeClr val="dk1"/>
+          </a:fontRef>
+        </p:style>
+      </p:cxnSp>
+    </p:spTree>
+    <p:extLst>
+      <p:ext uri="{BB962C8B-B14F-4D97-AF65-F5344CB8AC3E}">
+        <p14:creationId xmlns:p14="http://schemas.microsoft.com/office/powerpoint/2010/main" val="199105306"/>
       </p:ext>
     </p:extLst>
   </p:cSld>
